--- a/Marketing/Презентация.pptx
+++ b/Marketing/Презентация.pptx
@@ -122,7 +122,7 @@
             <c:showSerName val="0"/>
             <c:showPercent val="0"/>
             <c:separator>; </c:separator>
-            <c:showLeaderLines val="0"/>
+            <c:showLeaderLines val="1"/>
             <c:extLst>
               <c:ext xmlns:c15="http://schemas.microsoft.com/office/drawing/2012/chart" uri="{CE6537A1-D6FC-4f65-9D91-7224C49458BB}">
                 <c15:showLeaderLines val="1"/>
@@ -173,11 +173,11 @@
         </c:ser>
         <c:gapWidth val="219"/>
         <c:overlap val="-27"/>
-        <c:axId val="90316648"/>
-        <c:axId val="49468843"/>
+        <c:axId val="1986142"/>
+        <c:axId val="68954562"/>
       </c:barChart>
       <c:catAx>
-        <c:axId val="90316648"/>
+        <c:axId val="1986142"/>
         <c:scaling>
           <c:orientation val="minMax"/>
         </c:scaling>
@@ -210,7 +210,7 @@
             </a:pPr>
           </a:p>
         </c:txPr>
-        <c:crossAx val="49468843"/>
+        <c:crossAx val="68954562"/>
         <c:crosses val="autoZero"/>
         <c:auto val="1"/>
         <c:lblAlgn val="ctr"/>
@@ -218,7 +218,7 @@
         <c:noMultiLvlLbl val="0"/>
       </c:catAx>
       <c:valAx>
-        <c:axId val="49468843"/>
+        <c:axId val="68954562"/>
         <c:scaling>
           <c:orientation val="minMax"/>
           <c:max val="1300"/>
@@ -260,7 +260,7 @@
             </a:pPr>
           </a:p>
         </c:txPr>
-        <c:crossAx val="90316648"/>
+        <c:crossAx val="1986142"/>
         <c:crosses val="autoZero"/>
         <c:crossBetween val="between"/>
       </c:valAx>
@@ -377,7 +377,7 @@
             <c:showSerName val="0"/>
             <c:showPercent val="0"/>
             <c:separator>; </c:separator>
-            <c:showLeaderLines val="0"/>
+            <c:showLeaderLines val="1"/>
             <c:extLst>
               <c:ext xmlns:c15="http://schemas.microsoft.com/office/drawing/2012/chart" uri="{CE6537A1-D6FC-4f65-9D91-7224C49458BB}">
                 <c15:showLeaderLines val="1"/>
@@ -452,11 +452,11 @@
         </c:ser>
         <c:gapWidth val="219"/>
         <c:overlap val="-27"/>
-        <c:axId val="84289882"/>
-        <c:axId val="9434418"/>
+        <c:axId val="68052903"/>
+        <c:axId val="25238554"/>
       </c:barChart>
       <c:catAx>
-        <c:axId val="84289882"/>
+        <c:axId val="68052903"/>
         <c:scaling>
           <c:orientation val="minMax"/>
         </c:scaling>
@@ -489,7 +489,7 @@
             </a:pPr>
           </a:p>
         </c:txPr>
-        <c:crossAx val="9434418"/>
+        <c:crossAx val="25238554"/>
         <c:crosses val="autoZero"/>
         <c:auto val="1"/>
         <c:lblAlgn val="ctr"/>
@@ -497,7 +497,7 @@
         <c:noMultiLvlLbl val="0"/>
       </c:catAx>
       <c:valAx>
-        <c:axId val="9434418"/>
+        <c:axId val="25238554"/>
         <c:scaling>
           <c:orientation val="minMax"/>
         </c:scaling>
@@ -537,7 +537,7 @@
             </a:pPr>
           </a:p>
         </c:txPr>
-        <c:crossAx val="84289882"/>
+        <c:crossAx val="68052903"/>
         <c:crosses val="autoZero"/>
         <c:crossBetween val="between"/>
       </c:valAx>
@@ -1036,7 +1036,7 @@
             <c:showSerName val="0"/>
             <c:showPercent val="0"/>
             <c:separator>; </c:separator>
-            <c:showLeaderLines val="0"/>
+            <c:showLeaderLines val="1"/>
             <c:extLst>
               <c:ext xmlns:c15="http://schemas.microsoft.com/office/drawing/2012/chart" uri="{CE6537A1-D6FC-4f65-9D91-7224C49458BB}">
                 <c15:showLeaderLines val="1"/>
@@ -1132,7 +1132,7 @@
             <c:showSerName val="0"/>
             <c:showPercent val="0"/>
             <c:separator>; </c:separator>
-            <c:showLeaderLines val="0"/>
+            <c:showLeaderLines val="1"/>
             <c:extLst>
               <c:ext xmlns:c15="http://schemas.microsoft.com/office/drawing/2012/chart" uri="{CE6537A1-D6FC-4f65-9D91-7224C49458BB}">
                 <c15:showLeaderLines val="1"/>
@@ -1183,11 +1183,11 @@
         </c:ser>
         <c:gapWidth val="219"/>
         <c:overlap val="-27"/>
-        <c:axId val="88007195"/>
-        <c:axId val="14560804"/>
+        <c:axId val="76200977"/>
+        <c:axId val="72297594"/>
       </c:barChart>
       <c:catAx>
-        <c:axId val="88007195"/>
+        <c:axId val="76200977"/>
         <c:scaling>
           <c:orientation val="minMax"/>
         </c:scaling>
@@ -1220,7 +1220,7 @@
             </a:pPr>
           </a:p>
         </c:txPr>
-        <c:crossAx val="14560804"/>
+        <c:crossAx val="72297594"/>
         <c:crosses val="autoZero"/>
         <c:auto val="1"/>
         <c:lblAlgn val="ctr"/>
@@ -1228,7 +1228,7 @@
         <c:noMultiLvlLbl val="0"/>
       </c:catAx>
       <c:valAx>
-        <c:axId val="14560804"/>
+        <c:axId val="72297594"/>
         <c:scaling>
           <c:orientation val="minMax"/>
         </c:scaling>
@@ -1268,7 +1268,7 @@
             </a:pPr>
           </a:p>
         </c:txPr>
-        <c:crossAx val="88007195"/>
+        <c:crossAx val="76200977"/>
         <c:crosses val="autoZero"/>
         <c:crossBetween val="between"/>
       </c:valAx>
@@ -4090,7 +4090,7 @@
             </a:prstGeom>
             <a:ln cap="rnd" w="9360">
               <a:solidFill>
-                <a:schemeClr val="tx1"/>
+                <a:srgbClr val="000000"/>
               </a:solidFill>
               <a:round/>
             </a:ln>
@@ -4124,7 +4124,7 @@
             </a:prstGeom>
             <a:ln cap="rnd" w="9360">
               <a:solidFill>
-                <a:schemeClr val="tx1"/>
+                <a:srgbClr val="000000"/>
               </a:solidFill>
               <a:round/>
             </a:ln>
@@ -4158,7 +4158,7 @@
             </a:prstGeom>
             <a:ln cap="rnd" w="9360">
               <a:solidFill>
-                <a:schemeClr val="tx1"/>
+                <a:srgbClr val="000000"/>
               </a:solidFill>
               <a:round/>
             </a:ln>
@@ -4192,7 +4192,7 @@
             </a:prstGeom>
             <a:ln cap="rnd" w="28440">
               <a:solidFill>
-                <a:schemeClr val="tx1"/>
+                <a:srgbClr val="000000"/>
               </a:solidFill>
               <a:round/>
             </a:ln>
@@ -4226,7 +4226,7 @@
             </a:prstGeom>
             <a:ln cap="rnd" w="28440">
               <a:solidFill>
-                <a:schemeClr val="tx1"/>
+                <a:srgbClr val="000000"/>
               </a:solidFill>
               <a:round/>
             </a:ln>
@@ -4261,7 +4261,7 @@
           </a:prstGeom>
           <a:ln cap="rnd" w="12600">
             <a:solidFill>
-              <a:schemeClr val="tx1"/>
+              <a:srgbClr val="000000"/>
             </a:solidFill>
             <a:round/>
           </a:ln>
@@ -4295,7 +4295,7 @@
           </a:prstGeom>
           <a:ln cap="rnd" w="12600">
             <a:solidFill>
-              <a:schemeClr val="tx1"/>
+              <a:srgbClr val="000000"/>
             </a:solidFill>
             <a:round/>
           </a:ln>
@@ -4329,7 +4329,7 @@
           </a:prstGeom>
           <a:ln cap="rnd" w="12600">
             <a:solidFill>
-              <a:schemeClr val="tx1"/>
+              <a:srgbClr val="000000"/>
             </a:solidFill>
             <a:round/>
           </a:ln>
@@ -4363,7 +4363,7 @@
           </a:prstGeom>
           <a:ln cap="rnd" w="31680">
             <a:solidFill>
-              <a:schemeClr val="tx1"/>
+              <a:srgbClr val="000000"/>
             </a:solidFill>
             <a:round/>
           </a:ln>
@@ -4397,7 +4397,7 @@
           </a:prstGeom>
           <a:ln cap="rnd" w="31680">
             <a:solidFill>
-              <a:schemeClr val="tx1"/>
+              <a:srgbClr val="000000"/>
             </a:solidFill>
             <a:round/>
           </a:ln>
@@ -4417,7 +4417,7 @@
       </p:sp>
       <p:sp>
         <p:nvSpPr>
-          <p:cNvPr id="11" name="PlaceHolder 12"/>
+          <p:cNvPr id="11" name="PlaceHolder 1"/>
           <p:cNvSpPr>
             <a:spLocks noGrp="1"/>
           </p:cNvSpPr>
@@ -4428,7 +4428,7 @@
         <p:spPr>
           <a:xfrm>
             <a:off x="609480" y="273600"/>
-            <a:ext cx="10972080" cy="1144440"/>
+            <a:ext cx="10972440" cy="1144800"/>
           </a:xfrm>
           <a:prstGeom prst="rect">
             <a:avLst/>
@@ -4439,21 +4439,22 @@
             <a:noAutofit/>
           </a:bodyPr>
           <a:p>
+            <a:pPr algn="ctr"/>
             <a:r>
-              <a:rPr b="0" lang="en-US" sz="1800" spc="-1" strike="noStrike">
+              <a:rPr b="0" lang="en-US" sz="4400" spc="-1" strike="noStrike">
                 <a:latin typeface="Arial"/>
               </a:rPr>
               <a:t>Click to edit the title text format</a:t>
             </a:r>
-            <a:endParaRPr b="0" lang="en-US" sz="1800" spc="-1" strike="noStrike">
-              <a:latin typeface="Arial"/>
-            </a:endParaRPr>
-          </a:p>
-        </p:txBody>
-      </p:sp>
-      <p:sp>
-        <p:nvSpPr>
-          <p:cNvPr id="12" name="PlaceHolder 13"/>
+            <a:endParaRPr b="0" lang="en-US" sz="4400" spc="-1" strike="noStrike">
+              <a:latin typeface="Arial"/>
+            </a:endParaRPr>
+          </a:p>
+        </p:txBody>
+      </p:sp>
+      <p:sp>
+        <p:nvSpPr>
+          <p:cNvPr id="12" name="PlaceHolder 2"/>
           <p:cNvSpPr>
             <a:spLocks noGrp="1"/>
           </p:cNvSpPr>
@@ -4464,7 +4465,7 @@
         <p:spPr>
           <a:xfrm>
             <a:off x="609480" y="1604520"/>
-            <a:ext cx="10972080" cy="3976920"/>
+            <a:ext cx="10972440" cy="3977280"/>
           </a:xfrm>
           <a:prstGeom prst="rect">
             <a:avLst/>
@@ -4487,12 +4488,12 @@
               <a:buChar char=""/>
             </a:pPr>
             <a:r>
-              <a:rPr b="0" lang="en-US" sz="1800" spc="-1" strike="noStrike">
+              <a:rPr b="0" lang="en-US" sz="3200" spc="-1" strike="noStrike">
                 <a:latin typeface="Arial"/>
               </a:rPr>
               <a:t>Click to edit the outline text format</a:t>
             </a:r>
-            <a:endParaRPr b="0" lang="en-US" sz="1800" spc="-1" strike="noStrike">
+            <a:endParaRPr b="0" lang="en-US" sz="3200" spc="-1" strike="noStrike">
               <a:latin typeface="Arial"/>
             </a:endParaRPr>
           </a:p>
@@ -4509,12 +4510,12 @@
               <a:buChar char=""/>
             </a:pPr>
             <a:r>
-              <a:rPr b="0" lang="en-US" sz="1800" spc="-1" strike="noStrike">
+              <a:rPr b="0" lang="en-US" sz="2800" spc="-1" strike="noStrike">
                 <a:latin typeface="Arial"/>
               </a:rPr>
               <a:t>Second Outline Level</a:t>
             </a:r>
-            <a:endParaRPr b="0" lang="en-US" sz="1800" spc="-1" strike="noStrike">
+            <a:endParaRPr b="0" lang="en-US" sz="2800" spc="-1" strike="noStrike">
               <a:latin typeface="Arial"/>
             </a:endParaRPr>
           </a:p>
@@ -4531,12 +4532,12 @@
               <a:buChar char=""/>
             </a:pPr>
             <a:r>
-              <a:rPr b="0" lang="en-US" sz="1800" spc="-1" strike="noStrike">
+              <a:rPr b="0" lang="en-US" sz="2400" spc="-1" strike="noStrike">
                 <a:latin typeface="Arial"/>
               </a:rPr>
               <a:t>Third Outline Level</a:t>
             </a:r>
-            <a:endParaRPr b="0" lang="en-US" sz="1800" spc="-1" strike="noStrike">
+            <a:endParaRPr b="0" lang="en-US" sz="2400" spc="-1" strike="noStrike">
               <a:latin typeface="Arial"/>
             </a:endParaRPr>
           </a:p>
@@ -4553,12 +4554,12 @@
               <a:buChar char=""/>
             </a:pPr>
             <a:r>
-              <a:rPr b="0" lang="en-US" sz="1800" spc="-1" strike="noStrike">
+              <a:rPr b="0" lang="en-US" sz="2000" spc="-1" strike="noStrike">
                 <a:latin typeface="Arial"/>
               </a:rPr>
               <a:t>Fourth Outline Level</a:t>
             </a:r>
-            <a:endParaRPr b="0" lang="en-US" sz="1800" spc="-1" strike="noStrike">
+            <a:endParaRPr b="0" lang="en-US" sz="2000" spc="-1" strike="noStrike">
               <a:latin typeface="Arial"/>
             </a:endParaRPr>
           </a:p>
@@ -4575,12 +4576,12 @@
               <a:buChar char=""/>
             </a:pPr>
             <a:r>
-              <a:rPr b="0" lang="en-US" sz="1800" spc="-1" strike="noStrike">
+              <a:rPr b="0" lang="en-US" sz="2000" spc="-1" strike="noStrike">
                 <a:latin typeface="Arial"/>
               </a:rPr>
               <a:t>Fifth Outline Level</a:t>
             </a:r>
-            <a:endParaRPr b="0" lang="en-US" sz="1800" spc="-1" strike="noStrike">
+            <a:endParaRPr b="0" lang="en-US" sz="2000" spc="-1" strike="noStrike">
               <a:latin typeface="Arial"/>
             </a:endParaRPr>
           </a:p>
@@ -4597,12 +4598,12 @@
               <a:buChar char=""/>
             </a:pPr>
             <a:r>
-              <a:rPr b="0" lang="en-US" sz="1800" spc="-1" strike="noStrike">
+              <a:rPr b="0" lang="en-US" sz="2000" spc="-1" strike="noStrike">
                 <a:latin typeface="Arial"/>
               </a:rPr>
               <a:t>Sixth Outline Level</a:t>
             </a:r>
-            <a:endParaRPr b="0" lang="en-US" sz="1800" spc="-1" strike="noStrike">
+            <a:endParaRPr b="0" lang="en-US" sz="2000" spc="-1" strike="noStrike">
               <a:latin typeface="Arial"/>
             </a:endParaRPr>
           </a:p>
@@ -4619,12 +4620,12 @@
               <a:buChar char=""/>
             </a:pPr>
             <a:r>
-              <a:rPr b="0" lang="en-US" sz="1800" spc="-1" strike="noStrike">
+              <a:rPr b="0" lang="en-US" sz="2000" spc="-1" strike="noStrike">
                 <a:latin typeface="Arial"/>
               </a:rPr>
               <a:t>Seventh Outline Level</a:t>
             </a:r>
-            <a:endParaRPr b="0" lang="en-US" sz="1800" spc="-1" strike="noStrike">
+            <a:endParaRPr b="0" lang="en-US" sz="2000" spc="-1" strike="noStrike">
               <a:latin typeface="Arial"/>
             </a:endParaRPr>
           </a:p>
@@ -4712,7 +4713,7 @@
             </a:prstGeom>
             <a:ln cap="rnd" w="9360">
               <a:solidFill>
-                <a:schemeClr val="tx1"/>
+                <a:srgbClr val="000000"/>
               </a:solidFill>
               <a:round/>
             </a:ln>
@@ -4746,7 +4747,7 @@
             </a:prstGeom>
             <a:ln cap="rnd" w="9360">
               <a:solidFill>
-                <a:schemeClr val="tx1"/>
+                <a:srgbClr val="000000"/>
               </a:solidFill>
               <a:round/>
             </a:ln>
@@ -4780,7 +4781,7 @@
             </a:prstGeom>
             <a:ln cap="rnd" w="9360">
               <a:solidFill>
-                <a:schemeClr val="tx1"/>
+                <a:srgbClr val="000000"/>
               </a:solidFill>
               <a:round/>
             </a:ln>
@@ -4814,7 +4815,7 @@
             </a:prstGeom>
             <a:ln cap="rnd" w="28440">
               <a:solidFill>
-                <a:schemeClr val="tx1"/>
+                <a:srgbClr val="000000"/>
               </a:solidFill>
               <a:round/>
             </a:ln>
@@ -4848,7 +4849,7 @@
             </a:prstGeom>
             <a:ln cap="rnd" w="28440">
               <a:solidFill>
-                <a:schemeClr val="tx1"/>
+                <a:srgbClr val="000000"/>
               </a:solidFill>
               <a:round/>
             </a:ln>
@@ -4869,7 +4870,7 @@
       </p:grpSp>
       <p:sp>
         <p:nvSpPr>
-          <p:cNvPr id="55" name="PlaceHolder 7"/>
+          <p:cNvPr id="55" name="PlaceHolder 1"/>
           <p:cNvSpPr>
             <a:spLocks noGrp="1"/>
           </p:cNvSpPr>
@@ -4906,7 +4907,7 @@
       </p:sp>
       <p:sp>
         <p:nvSpPr>
-          <p:cNvPr id="56" name="PlaceHolder 8"/>
+          <p:cNvPr id="56" name="PlaceHolder 2"/>
           <p:cNvSpPr>
             <a:spLocks noGrp="1"/>
           </p:cNvSpPr>
@@ -5129,7 +5130,7 @@
         <p:spPr>
           <a:xfrm>
             <a:off x="684360" y="685800"/>
-            <a:ext cx="7999920" cy="2970720"/>
+            <a:ext cx="7999560" cy="2970360"/>
           </a:xfrm>
           <a:prstGeom prst="rect">
             <a:avLst/>
@@ -5180,7 +5181,7 @@
         <p:spPr>
           <a:xfrm>
             <a:off x="684360" y="3843720"/>
-            <a:ext cx="6399720" cy="1946160"/>
+            <a:ext cx="6399360" cy="1945800"/>
           </a:xfrm>
           <a:prstGeom prst="rect">
             <a:avLst/>
@@ -5198,7 +5199,7 @@
         </p:style>
         <p:txBody>
           <a:bodyPr lIns="90000" rIns="90000" tIns="45000" bIns="45000">
-            <a:normAutofit fontScale="70000"/>
+            <a:normAutofit fontScale="73000"/>
           </a:bodyPr>
           <a:p>
             <a:pPr>
@@ -5339,7 +5340,17 @@
                 <a:latin typeface="Century Gothic"/>
                 <a:ea typeface="DejaVu Sans"/>
               </a:rPr>
-              <a:t>Минск, 2021</a:t>
+              <a:t>Минск, </a:t>
+            </a:r>
+            <a:r>
+              <a:rPr b="0" lang="ru-RU" sz="2100" spc="-1" strike="noStrike">
+                <a:solidFill>
+                  <a:srgbClr val="0f496f"/>
+                </a:solidFill>
+                <a:latin typeface="Century Gothic"/>
+                <a:ea typeface="DejaVu Sans"/>
+              </a:rPr>
+              <a:t>[retracted]</a:t>
             </a:r>
             <a:endParaRPr b="0" lang="en-US" sz="2100" spc="-1" strike="noStrike">
               <a:latin typeface="Arial"/>
@@ -5386,7 +5397,7 @@
         <p:spPr>
           <a:xfrm>
             <a:off x="684360" y="4487400"/>
-            <a:ext cx="9344520" cy="1505880"/>
+            <a:ext cx="9344160" cy="1505520"/>
           </a:xfrm>
           <a:prstGeom prst="rect">
             <a:avLst/>
@@ -5456,7 +5467,7 @@
         </p:nvGraphicFramePr>
         <p:xfrm>
           <a:off x="684360" y="685800"/>
-          <a:ext cx="8533440" cy="4142160"/>
+          <a:ext cx="8533080" cy="4141800"/>
         </p:xfrm>
         <a:graphic>
           <a:graphicData uri="http://schemas.openxmlformats.org/drawingml/2006/chart">
@@ -5503,7 +5514,7 @@
         <p:spPr>
           <a:xfrm>
             <a:off x="684360" y="4487400"/>
-            <a:ext cx="8533440" cy="1505880"/>
+            <a:ext cx="8533080" cy="1505520"/>
           </a:xfrm>
           <a:prstGeom prst="rect">
             <a:avLst/>
@@ -5554,7 +5565,7 @@
         <p:spPr>
           <a:xfrm>
             <a:off x="684360" y="685800"/>
-            <a:ext cx="8533440" cy="3614040"/>
+            <a:ext cx="8533080" cy="3613680"/>
           </a:xfrm>
           <a:prstGeom prst="rect">
             <a:avLst/>
@@ -5575,7 +5586,7 @@
             <a:noAutofit/>
           </a:bodyPr>
           <a:p>
-            <a:pPr marL="285840" indent="-284760">
+            <a:pPr marL="285840" indent="-284400">
               <a:lnSpc>
                 <a:spcPct val="100000"/>
               </a:lnSpc>
@@ -5607,7 +5618,7 @@
             </a:endParaRPr>
           </a:p>
           <a:p>
-            <a:pPr marL="285840" indent="-284760">
+            <a:pPr marL="285840" indent="-284400">
               <a:lnSpc>
                 <a:spcPct val="100000"/>
               </a:lnSpc>
@@ -5679,7 +5690,7 @@
             </a:endParaRPr>
           </a:p>
           <a:p>
-            <a:pPr marL="285840" indent="-284760">
+            <a:pPr marL="285840" indent="-284400">
               <a:lnSpc>
                 <a:spcPct val="100000"/>
               </a:lnSpc>
@@ -5751,7 +5762,7 @@
             </a:endParaRPr>
           </a:p>
           <a:p>
-            <a:pPr marL="285840" indent="-284760">
+            <a:pPr marL="285840" indent="-284400">
               <a:lnSpc>
                 <a:spcPct val="100000"/>
               </a:lnSpc>
@@ -5843,7 +5854,7 @@
         <p:spPr>
           <a:xfrm>
             <a:off x="684360" y="4487400"/>
-            <a:ext cx="8533440" cy="1505880"/>
+            <a:ext cx="8533080" cy="1505520"/>
           </a:xfrm>
           <a:prstGeom prst="rect">
             <a:avLst/>
@@ -5893,7 +5904,7 @@
         </p:nvGraphicFramePr>
         <p:xfrm>
           <a:off x="684360" y="685800"/>
-          <a:ext cx="7157160" cy="3942720"/>
+          <a:ext cx="7156800" cy="3942360"/>
         </p:xfrm>
         <a:graphic>
           <a:graphicData uri="http://schemas.openxmlformats.org/drawingml/2006/chart">
@@ -5914,7 +5925,7 @@
         <p:spPr>
           <a:xfrm>
             <a:off x="7982640" y="2248920"/>
-            <a:ext cx="4121640" cy="2320560"/>
+            <a:ext cx="4121280" cy="2320200"/>
           </a:xfrm>
           <a:prstGeom prst="rect">
             <a:avLst/>
@@ -5926,7 +5937,7 @@
             <a:miter/>
           </a:ln>
           <a:effectLst>
-            <a:outerShdw algn="tl" blurRad="50800" dir="2700000" dist="37674" rotWithShape="0">
+            <a:outerShdw algn="tl" blurRad="50760" dir="2700000" dist="37674" rotWithShape="0">
               <a:srgbClr val="000000">
                 <a:alpha val="43000"/>
               </a:srgbClr>
@@ -5973,7 +5984,7 @@
         <p:spPr>
           <a:xfrm>
             <a:off x="684360" y="4487400"/>
-            <a:ext cx="8533440" cy="1505880"/>
+            <a:ext cx="8533080" cy="1505520"/>
           </a:xfrm>
           <a:prstGeom prst="rect">
             <a:avLst/>
@@ -6034,7 +6045,7 @@
         <p:spPr>
           <a:xfrm>
             <a:off x="684360" y="685800"/>
-            <a:ext cx="8533440" cy="3614040"/>
+            <a:ext cx="8533080" cy="3613680"/>
           </a:xfrm>
           <a:prstGeom prst="rect">
             <a:avLst/>
@@ -6055,7 +6066,7 @@
             <a:noAutofit/>
           </a:bodyPr>
           <a:p>
-            <a:pPr marL="285840" indent="-284760">
+            <a:pPr marL="285840" indent="-284400">
               <a:lnSpc>
                 <a:spcPct val="100000"/>
               </a:lnSpc>
@@ -6087,7 +6098,7 @@
             </a:endParaRPr>
           </a:p>
           <a:p>
-            <a:pPr marL="285840" indent="-284760">
+            <a:pPr marL="285840" indent="-284400">
               <a:lnSpc>
                 <a:spcPct val="100000"/>
               </a:lnSpc>
@@ -6119,7 +6130,7 @@
             </a:endParaRPr>
           </a:p>
           <a:p>
-            <a:pPr marL="285840" indent="-284760">
+            <a:pPr marL="285840" indent="-284400">
               <a:lnSpc>
                 <a:spcPct val="100000"/>
               </a:lnSpc>
@@ -6151,7 +6162,7 @@
             </a:endParaRPr>
           </a:p>
           <a:p>
-            <a:pPr marL="285840" indent="-284760">
+            <a:pPr marL="285840" indent="-284400">
               <a:lnSpc>
                 <a:spcPct val="100000"/>
               </a:lnSpc>
@@ -6183,7 +6194,7 @@
             </a:endParaRPr>
           </a:p>
           <a:p>
-            <a:pPr marL="285840" indent="-284760">
+            <a:pPr marL="285840" indent="-284400">
               <a:lnSpc>
                 <a:spcPct val="100000"/>
               </a:lnSpc>
@@ -6255,7 +6266,7 @@
         <p:spPr>
           <a:xfrm>
             <a:off x="684360" y="4487400"/>
-            <a:ext cx="8533440" cy="1505880"/>
+            <a:ext cx="8533080" cy="1505520"/>
           </a:xfrm>
           <a:prstGeom prst="rect">
             <a:avLst/>
@@ -6316,7 +6327,7 @@
         <p:spPr>
           <a:xfrm>
             <a:off x="684360" y="685800"/>
-            <a:ext cx="8533440" cy="3614040"/>
+            <a:ext cx="8533080" cy="3613680"/>
           </a:xfrm>
           <a:prstGeom prst="rect">
             <a:avLst/>
@@ -6337,7 +6348,7 @@
             <a:noAutofit/>
           </a:bodyPr>
           <a:p>
-            <a:pPr marL="285840" indent="-284760">
+            <a:pPr marL="285840" indent="-284400">
               <a:lnSpc>
                 <a:spcPct val="100000"/>
               </a:lnSpc>
@@ -6369,7 +6380,7 @@
             </a:endParaRPr>
           </a:p>
           <a:p>
-            <a:pPr marL="285840" indent="-284760">
+            <a:pPr marL="285840" indent="-284400">
               <a:lnSpc>
                 <a:spcPct val="100000"/>
               </a:lnSpc>
@@ -6401,7 +6412,7 @@
             </a:endParaRPr>
           </a:p>
           <a:p>
-            <a:pPr marL="285840" indent="-284760">
+            <a:pPr marL="285840" indent="-284400">
               <a:lnSpc>
                 <a:spcPct val="100000"/>
               </a:lnSpc>
@@ -6433,7 +6444,7 @@
             </a:endParaRPr>
           </a:p>
           <a:p>
-            <a:pPr marL="285840" indent="-284760">
+            <a:pPr marL="285840" indent="-284400">
               <a:lnSpc>
                 <a:spcPct val="100000"/>
               </a:lnSpc>
@@ -6509,7 +6520,7 @@
         <p:spPr>
           <a:xfrm>
             <a:off x="2025360" y="412920"/>
-            <a:ext cx="7751880" cy="5813640"/>
+            <a:ext cx="7751520" cy="5813280"/>
           </a:xfrm>
           <a:prstGeom prst="rect">
             <a:avLst/>
@@ -6558,7 +6569,7 @@
         <p:spPr>
           <a:xfrm>
             <a:off x="3255840" y="2382480"/>
-            <a:ext cx="6048720" cy="1505880"/>
+            <a:ext cx="6048360" cy="1505520"/>
           </a:xfrm>
           <a:prstGeom prst="rect">
             <a:avLst/>
@@ -6639,7 +6650,7 @@
         <p:spPr>
           <a:xfrm>
             <a:off x="684360" y="4487400"/>
-            <a:ext cx="8533440" cy="1505880"/>
+            <a:ext cx="8533080" cy="1505520"/>
           </a:xfrm>
           <a:prstGeom prst="rect">
             <a:avLst/>
@@ -6690,7 +6701,7 @@
         <p:spPr>
           <a:xfrm>
             <a:off x="2531520" y="389520"/>
-            <a:ext cx="6813000" cy="638280"/>
+            <a:ext cx="6812640" cy="638280"/>
           </a:xfrm>
           <a:prstGeom prst="rect">
             <a:avLst/>
@@ -6775,7 +6786,7 @@
         <p:spPr>
           <a:xfrm>
             <a:off x="5590800" y="1151280"/>
-            <a:ext cx="4943160" cy="3180600"/>
+            <a:ext cx="4942800" cy="3180240"/>
           </a:xfrm>
           <a:prstGeom prst="rect">
             <a:avLst/>
@@ -6787,7 +6798,7 @@
             <a:miter/>
           </a:ln>
           <a:effectLst>
-            <a:outerShdw algn="tl" blurRad="50800" dir="2700000" dist="37674" rotWithShape="0">
+            <a:outerShdw algn="tl" blurRad="50760" dir="2700000" dist="37674" rotWithShape="0">
               <a:srgbClr val="000000">
                 <a:alpha val="43000"/>
               </a:srgbClr>
@@ -6808,7 +6819,7 @@
         <p:spPr>
           <a:xfrm>
             <a:off x="1400400" y="744840"/>
-            <a:ext cx="4188960" cy="4163040"/>
+            <a:ext cx="4188600" cy="4162680"/>
           </a:xfrm>
           <a:prstGeom prst="rect">
             <a:avLst/>
@@ -6820,7 +6831,7 @@
             <a:miter/>
           </a:ln>
           <a:effectLst>
-            <a:outerShdw algn="tl" blurRad="50800" dir="2700000" dist="37674" rotWithShape="0">
+            <a:outerShdw algn="tl" blurRad="50760" dir="2700000" dist="37674" rotWithShape="0">
               <a:srgbClr val="000000">
                 <a:alpha val="43000"/>
               </a:srgbClr>
@@ -6987,7 +6998,7 @@
         <p:spPr>
           <a:xfrm>
             <a:off x="684360" y="5351040"/>
-            <a:ext cx="9411120" cy="1505880"/>
+            <a:ext cx="9410760" cy="1505520"/>
           </a:xfrm>
           <a:prstGeom prst="rect">
             <a:avLst/>
@@ -7042,7 +7053,7 @@
         <p:spPr>
           <a:xfrm>
             <a:off x="684360" y="204120"/>
-            <a:ext cx="9973080" cy="5158800"/>
+            <a:ext cx="9972720" cy="5158440"/>
           </a:xfrm>
           <a:prstGeom prst="rect">
             <a:avLst/>
@@ -7054,7 +7065,7 @@
             <a:miter/>
           </a:ln>
           <a:effectLst>
-            <a:outerShdw algn="tl" blurRad="50800" dir="2700000" dist="37674" rotWithShape="0">
+            <a:outerShdw algn="tl" blurRad="50760" dir="2700000" dist="37674" rotWithShape="0">
               <a:srgbClr val="000000">
                 <a:alpha val="43000"/>
               </a:srgbClr>
@@ -7101,7 +7112,7 @@
         <p:spPr>
           <a:xfrm>
             <a:off x="684360" y="5351040"/>
-            <a:ext cx="9992160" cy="1505880"/>
+            <a:ext cx="9991800" cy="1505520"/>
           </a:xfrm>
           <a:prstGeom prst="rect">
             <a:avLst/>
@@ -7156,7 +7167,7 @@
         <p:spPr>
           <a:xfrm>
             <a:off x="684360" y="232560"/>
-            <a:ext cx="11091600" cy="5372280"/>
+            <a:ext cx="11091240" cy="5371920"/>
           </a:xfrm>
           <a:prstGeom prst="rect">
             <a:avLst/>
@@ -7168,7 +7179,7 @@
             <a:miter/>
           </a:ln>
           <a:effectLst>
-            <a:outerShdw algn="tl" blurRad="50800" dir="2700000" dist="37674" rotWithShape="0">
+            <a:outerShdw algn="tl" blurRad="50760" dir="2700000" dist="37674" rotWithShape="0">
               <a:srgbClr val="000000">
                 <a:alpha val="43000"/>
               </a:srgbClr>
@@ -7215,7 +7226,7 @@
         <p:spPr>
           <a:xfrm>
             <a:off x="461160" y="5324760"/>
-            <a:ext cx="9920160" cy="1505880"/>
+            <a:ext cx="9919800" cy="1505520"/>
           </a:xfrm>
           <a:prstGeom prst="rect">
             <a:avLst/>
@@ -7270,7 +7281,7 @@
         <p:spPr>
           <a:xfrm>
             <a:off x="461160" y="384120"/>
-            <a:ext cx="11177280" cy="4939560"/>
+            <a:ext cx="11176920" cy="4939200"/>
           </a:xfrm>
           <a:prstGeom prst="rect">
             <a:avLst/>
@@ -7282,7 +7293,7 @@
             <a:miter/>
           </a:ln>
           <a:effectLst>
-            <a:outerShdw algn="tl" blurRad="50800" dir="2700000" dist="37674" rotWithShape="0">
+            <a:outerShdw algn="tl" blurRad="50760" dir="2700000" dist="37674" rotWithShape="0">
               <a:srgbClr val="000000">
                 <a:alpha val="43000"/>
               </a:srgbClr>
@@ -7329,7 +7340,7 @@
         <p:spPr>
           <a:xfrm>
             <a:off x="837360" y="5439960"/>
-            <a:ext cx="9886680" cy="1505880"/>
+            <a:ext cx="9886320" cy="1505520"/>
           </a:xfrm>
           <a:prstGeom prst="rect">
             <a:avLst/>
@@ -7384,7 +7395,7 @@
         <p:spPr>
           <a:xfrm>
             <a:off x="837360" y="390600"/>
-            <a:ext cx="10334520" cy="5190120"/>
+            <a:ext cx="10334160" cy="5189760"/>
           </a:xfrm>
           <a:prstGeom prst="rect">
             <a:avLst/>
@@ -7396,7 +7407,7 @@
             <a:miter/>
           </a:ln>
           <a:effectLst>
-            <a:outerShdw algn="tl" blurRad="50800" dir="2700000" dist="37674" rotWithShape="0">
+            <a:outerShdw algn="tl" blurRad="50760" dir="2700000" dist="37674" rotWithShape="0">
               <a:srgbClr val="000000">
                 <a:alpha val="43000"/>
               </a:srgbClr>
@@ -7443,7 +7454,7 @@
         <p:spPr>
           <a:xfrm>
             <a:off x="3132000" y="2277360"/>
-            <a:ext cx="5629680" cy="1505880"/>
+            <a:ext cx="5629320" cy="1505520"/>
           </a:xfrm>
           <a:prstGeom prst="rect">
             <a:avLst/>
@@ -7524,7 +7535,7 @@
         <p:spPr>
           <a:xfrm>
             <a:off x="684360" y="4487400"/>
-            <a:ext cx="8887320" cy="1505880"/>
+            <a:ext cx="8886960" cy="1505520"/>
           </a:xfrm>
           <a:prstGeom prst="rect">
             <a:avLst/>
@@ -7574,7 +7585,7 @@
         </p:nvGraphicFramePr>
         <p:xfrm>
           <a:off x="684360" y="685800"/>
-          <a:ext cx="8533440" cy="3613680"/>
+          <a:ext cx="8533080" cy="3613320"/>
         </p:xfrm>
         <a:graphic>
           <a:graphicData uri="http://schemas.openxmlformats.org/drawingml/2006/chart">
@@ -7621,7 +7632,7 @@
         <p:spPr>
           <a:xfrm>
             <a:off x="684360" y="4487400"/>
-            <a:ext cx="8533440" cy="1505880"/>
+            <a:ext cx="8533080" cy="1505520"/>
           </a:xfrm>
           <a:prstGeom prst="rect">
             <a:avLst/>
@@ -7691,7 +7702,7 @@
         </p:nvGraphicFramePr>
         <p:xfrm>
           <a:off x="684360" y="685800"/>
-          <a:ext cx="8533440" cy="3613680"/>
+          <a:ext cx="8533080" cy="3613320"/>
         </p:xfrm>
         <a:graphic>
           <a:graphicData uri="http://schemas.openxmlformats.org/drawingml/2006/chart">
